--- a/Lesson8-Subroutines/Lesson8 - Subroutines.pptx
+++ b/Lesson8-Subroutines/Lesson8 - Subroutines.pptx
@@ -2789,7 +2789,7 @@
           <a:p>
             <a:fld id="{1DD4402E-2714-4F60-8F6B-D0DE2235143B}" type="datetimeFigureOut">
               <a:rPr lang="el-GR" smtClean="0"/>
-              <a:t>26/2/2021</a:t>
+              <a:t>1/3/2021</a:t>
             </a:fld>
             <a:endParaRPr lang="el-GR"/>
           </a:p>
@@ -4557,6 +4557,41 @@
           </a:prstGeom>
         </p:spPr>
       </p:pic>
+      <p:pic>
+        <p:nvPicPr>
+          <p:cNvPr id="10" name="Εικόνα 9">
+            <a:hlinkClick r:id="rId8"/>
+            <a:extLst>
+              <a:ext uri="{FF2B5EF4-FFF2-40B4-BE49-F238E27FC236}">
+                <a16:creationId xmlns:a16="http://schemas.microsoft.com/office/drawing/2014/main" id="{831BBFB1-CA75-488B-A531-FC93E402E54D}"/>
+              </a:ext>
+            </a:extLst>
+          </p:cNvPr>
+          <p:cNvPicPr/>
+          <p:nvPr userDrawn="1"/>
+        </p:nvPicPr>
+        <p:blipFill>
+          <a:blip r:embed="rId9">
+            <a:extLst>
+              <a:ext uri="{28A0092B-C50C-407E-A947-70E740481C1C}">
+                <a14:useLocalDpi xmlns:a14="http://schemas.microsoft.com/office/drawing/2010/main" val="0"/>
+              </a:ext>
+            </a:extLst>
+          </a:blip>
+          <a:stretch>
+            <a:fillRect/>
+          </a:stretch>
+        </p:blipFill>
+        <p:spPr>
+          <a:xfrm>
+            <a:off x="336442" y="6453103"/>
+            <a:ext cx="838200" cy="295275"/>
+          </a:xfrm>
+          <a:prstGeom prst="rect">
+            <a:avLst/>
+          </a:prstGeom>
+        </p:spPr>
+      </p:pic>
     </p:spTree>
     <p:extLst>
       <p:ext uri="{BB962C8B-B14F-4D97-AF65-F5344CB8AC3E}">
@@ -4757,7 +4792,7 @@
           <a:p>
             <a:fld id="{86F0BDD2-2FE9-4947-8A0F-347E40919148}" type="datetimeFigureOut">
               <a:rPr lang="el-GR" smtClean="0"/>
-              <a:t>26/2/2021</a:t>
+              <a:t>1/3/2021</a:t>
             </a:fld>
             <a:endParaRPr lang="el-GR"/>
           </a:p>
@@ -5067,7 +5102,7 @@
             <a:fld id="{86F0BDD2-2FE9-4947-8A0F-347E40919148}" type="datetimeFigureOut">
               <a:rPr lang="el-GR" smtClean="0"/>
               <a:pPr/>
-              <a:t>26/2/2021</a:t>
+              <a:t>1/3/2021</a:t>
             </a:fld>
             <a:endParaRPr lang="el-GR"/>
           </a:p>
@@ -5378,7 +5413,7 @@
           <a:p>
             <a:fld id="{86F0BDD2-2FE9-4947-8A0F-347E40919148}" type="datetimeFigureOut">
               <a:rPr lang="el-GR" smtClean="0"/>
-              <a:t>26/2/2021</a:t>
+              <a:t>1/3/2021</a:t>
             </a:fld>
             <a:endParaRPr lang="el-GR"/>
           </a:p>
@@ -5895,7 +5930,7 @@
             <a:fld id="{86F0BDD2-2FE9-4947-8A0F-347E40919148}" type="datetimeFigureOut">
               <a:rPr lang="el-GR" smtClean="0"/>
               <a:pPr/>
-              <a:t>26/2/2021</a:t>
+              <a:t>1/3/2021</a:t>
             </a:fld>
             <a:endParaRPr lang="el-GR">
               <a:latin typeface="Verdana" panose="020B0604030504040204" pitchFamily="34" charset="0"/>
@@ -6102,7 +6137,7 @@
             <a:fld id="{86F0BDD2-2FE9-4947-8A0F-347E40919148}" type="datetimeFigureOut">
               <a:rPr lang="el-GR" smtClean="0"/>
               <a:pPr/>
-              <a:t>26/2/2021</a:t>
+              <a:t>1/3/2021</a:t>
             </a:fld>
             <a:endParaRPr lang="el-GR" sz="1100"/>
           </a:p>
@@ -6250,7 +6285,7 @@
           <a:p>
             <a:fld id="{86F0BDD2-2FE9-4947-8A0F-347E40919148}" type="datetimeFigureOut">
               <a:rPr lang="el-GR" smtClean="0"/>
-              <a:t>26/2/2021</a:t>
+              <a:t>1/3/2021</a:t>
             </a:fld>
             <a:endParaRPr lang="el-GR"/>
           </a:p>
@@ -6612,7 +6647,7 @@
             <a:fld id="{86F0BDD2-2FE9-4947-8A0F-347E40919148}" type="datetimeFigureOut">
               <a:rPr lang="el-GR" smtClean="0"/>
               <a:pPr/>
-              <a:t>26/2/2021</a:t>
+              <a:t>1/3/2021</a:t>
             </a:fld>
             <a:endParaRPr lang="el-GR">
               <a:latin typeface="Verdana" panose="020B0604030504040204" pitchFamily="34" charset="0"/>
@@ -6963,7 +6998,7 @@
             <a:fld id="{86F0BDD2-2FE9-4947-8A0F-347E40919148}" type="datetimeFigureOut">
               <a:rPr lang="el-GR" smtClean="0"/>
               <a:pPr/>
-              <a:t>26/2/2021</a:t>
+              <a:t>1/3/2021</a:t>
             </a:fld>
             <a:endParaRPr lang="el-GR">
               <a:latin typeface="Verdana" panose="020B0604030504040204" pitchFamily="34" charset="0"/>
@@ -7287,7 +7322,7 @@
             <a:fld id="{86F0BDD2-2FE9-4947-8A0F-347E40919148}" type="datetimeFigureOut">
               <a:rPr lang="el-GR" smtClean="0"/>
               <a:pPr/>
-              <a:t>26/2/2021</a:t>
+              <a:t>1/3/2021</a:t>
             </a:fld>
             <a:endParaRPr lang="el-GR"/>
           </a:p>
@@ -9315,7 +9350,7 @@
             <a:pPr algn="r"/>
             <a:r>
               <a:rPr lang="en-US" sz="2400" dirty="0"/>
-              <a:t>Have such a name that refers to its function. </a:t>
+              <a:t>Have such name that refers to its function. </a:t>
             </a:r>
           </a:p>
         </p:txBody>
